--- a/presentation/Presentation.pptx
+++ b/presentation/Presentation.pptx
@@ -106,6 +106,11 @@
       </a:defRPr>
     </a:lvl9pPr>
   </p:defaultTextStyle>
+  <p:extLst>
+    <p:ext uri="{EFAFB233-063F-42B5-8137-9DF3F51BA10A}">
+      <p15:sldGuideLst xmlns:p15="http://schemas.microsoft.com/office/powerpoint/2012/main"/>
+    </p:ext>
+  </p:extLst>
 </p:presentation>
 </file>
 
@@ -6430,8 +6435,8 @@
         </p:nvSpPr>
         <p:spPr>
           <a:xfrm>
-            <a:off x="1450331" y="1745221"/>
-            <a:ext cx="9312744" cy="3693319"/>
+            <a:off x="1450331" y="1606722"/>
+            <a:ext cx="9312744" cy="3970318"/>
           </a:xfrm>
           <a:prstGeom prst="rect">
             <a:avLst/>
@@ -7210,6 +7215,60 @@
             <a:r>
               <a:rPr lang="en-US" dirty="0" smtClean="0"/>
               <a:t>.</a:t>
+            </a:r>
+          </a:p>
+          <a:p>
+            <a:r>
+              <a:rPr lang="en-US" dirty="0"/>
+              <a:t>	</a:t>
+            </a:r>
+            <a:r>
+              <a:rPr lang="en-US" dirty="0" smtClean="0"/>
+              <a:t>+	</a:t>
+            </a:r>
+            <a:r>
+              <a:rPr lang="en-US" dirty="0" err="1" smtClean="0"/>
+              <a:t>Thiết</a:t>
+            </a:r>
+            <a:r>
+              <a:rPr lang="en-US" dirty="0" smtClean="0"/>
+              <a:t> </a:t>
+            </a:r>
+            <a:r>
+              <a:rPr lang="en-US" dirty="0" err="1" smtClean="0"/>
+              <a:t>kế</a:t>
+            </a:r>
+            <a:r>
+              <a:rPr lang="en-US" dirty="0" smtClean="0"/>
+              <a:t> web </a:t>
+            </a:r>
+            <a:r>
+              <a:rPr lang="en-US" dirty="0" err="1" smtClean="0"/>
+              <a:t>chưa</a:t>
+            </a:r>
+            <a:r>
+              <a:rPr lang="en-US" dirty="0" smtClean="0"/>
+              <a:t> </a:t>
+            </a:r>
+            <a:r>
+              <a:rPr lang="en-US" dirty="0" err="1" smtClean="0"/>
+              <a:t>được</a:t>
+            </a:r>
+            <a:r>
+              <a:rPr lang="en-US" dirty="0" smtClean="0"/>
+              <a:t> </a:t>
+            </a:r>
+            <a:r>
+              <a:rPr lang="en-US" dirty="0" err="1" smtClean="0"/>
+              <a:t>thu</a:t>
+            </a:r>
+            <a:r>
+              <a:rPr lang="en-US" dirty="0" smtClean="0"/>
+              <a:t> </a:t>
+            </a:r>
+            <a:r>
+              <a:rPr lang="en-US" smtClean="0"/>
+              <a:t>hút</a:t>
             </a:r>
             <a:endParaRPr lang="en-US" dirty="0"/>
           </a:p>
